--- a/unit1_projects/images/header.pptx
+++ b/unit1_projects/images/header.pptx
@@ -288,7 +288,7 @@
           <a:p>
             <a:fld id="{F19F3BC2-3695-8A49-8628-6B55CB2ABBC8}" type="datetimeFigureOut">
               <a:rPr lang="en-US" smtClean="0"/>
-              <a:t>6/7/14</a:t>
+              <a:t>6/14/14</a:t>
             </a:fld>
             <a:endParaRPr lang="en-US"/>
           </a:p>
@@ -458,7 +458,7 @@
           <a:p>
             <a:fld id="{F19F3BC2-3695-8A49-8628-6B55CB2ABBC8}" type="datetimeFigureOut">
               <a:rPr lang="en-US" smtClean="0"/>
-              <a:t>6/7/14</a:t>
+              <a:t>6/14/14</a:t>
             </a:fld>
             <a:endParaRPr lang="en-US"/>
           </a:p>
@@ -638,7 +638,7 @@
           <a:p>
             <a:fld id="{F19F3BC2-3695-8A49-8628-6B55CB2ABBC8}" type="datetimeFigureOut">
               <a:rPr lang="en-US" smtClean="0"/>
-              <a:t>6/7/14</a:t>
+              <a:t>6/14/14</a:t>
             </a:fld>
             <a:endParaRPr lang="en-US"/>
           </a:p>
@@ -808,7 +808,7 @@
           <a:p>
             <a:fld id="{F19F3BC2-3695-8A49-8628-6B55CB2ABBC8}" type="datetimeFigureOut">
               <a:rPr lang="en-US" smtClean="0"/>
-              <a:t>6/7/14</a:t>
+              <a:t>6/14/14</a:t>
             </a:fld>
             <a:endParaRPr lang="en-US"/>
           </a:p>
@@ -1054,7 +1054,7 @@
           <a:p>
             <a:fld id="{F19F3BC2-3695-8A49-8628-6B55CB2ABBC8}" type="datetimeFigureOut">
               <a:rPr lang="en-US" smtClean="0"/>
-              <a:t>6/7/14</a:t>
+              <a:t>6/14/14</a:t>
             </a:fld>
             <a:endParaRPr lang="en-US"/>
           </a:p>
@@ -1342,7 +1342,7 @@
           <a:p>
             <a:fld id="{F19F3BC2-3695-8A49-8628-6B55CB2ABBC8}" type="datetimeFigureOut">
               <a:rPr lang="en-US" smtClean="0"/>
-              <a:t>6/7/14</a:t>
+              <a:t>6/14/14</a:t>
             </a:fld>
             <a:endParaRPr lang="en-US"/>
           </a:p>
@@ -1769,7 +1769,7 @@
           <a:p>
             <a:fld id="{F19F3BC2-3695-8A49-8628-6B55CB2ABBC8}" type="datetimeFigureOut">
               <a:rPr lang="en-US" smtClean="0"/>
-              <a:t>6/7/14</a:t>
+              <a:t>6/14/14</a:t>
             </a:fld>
             <a:endParaRPr lang="en-US"/>
           </a:p>
@@ -1887,7 +1887,7 @@
           <a:p>
             <a:fld id="{F19F3BC2-3695-8A49-8628-6B55CB2ABBC8}" type="datetimeFigureOut">
               <a:rPr lang="en-US" smtClean="0"/>
-              <a:t>6/7/14</a:t>
+              <a:t>6/14/14</a:t>
             </a:fld>
             <a:endParaRPr lang="en-US"/>
           </a:p>
@@ -1982,7 +1982,7 @@
           <a:p>
             <a:fld id="{F19F3BC2-3695-8A49-8628-6B55CB2ABBC8}" type="datetimeFigureOut">
               <a:rPr lang="en-US" smtClean="0"/>
-              <a:t>6/7/14</a:t>
+              <a:t>6/14/14</a:t>
             </a:fld>
             <a:endParaRPr lang="en-US"/>
           </a:p>
@@ -2259,7 +2259,7 @@
           <a:p>
             <a:fld id="{F19F3BC2-3695-8A49-8628-6B55CB2ABBC8}" type="datetimeFigureOut">
               <a:rPr lang="en-US" smtClean="0"/>
-              <a:t>6/7/14</a:t>
+              <a:t>6/14/14</a:t>
             </a:fld>
             <a:endParaRPr lang="en-US"/>
           </a:p>
@@ -2512,7 +2512,7 @@
           <a:p>
             <a:fld id="{F19F3BC2-3695-8A49-8628-6B55CB2ABBC8}" type="datetimeFigureOut">
               <a:rPr lang="en-US" smtClean="0"/>
-              <a:t>6/7/14</a:t>
+              <a:t>6/14/14</a:t>
             </a:fld>
             <a:endParaRPr lang="en-US"/>
           </a:p>
@@ -2725,7 +2725,7 @@
           <a:p>
             <a:fld id="{F19F3BC2-3695-8A49-8628-6B55CB2ABBC8}" type="datetimeFigureOut">
               <a:rPr lang="en-US" smtClean="0"/>
-              <a:t>6/7/14</a:t>
+              <a:t>6/14/14</a:t>
             </a:fld>
             <a:endParaRPr lang="en-US"/>
           </a:p>
@@ -3100,44 +3100,66 @@
           <a:chExt cx="0" cy="0"/>
         </a:xfrm>
       </p:grpSpPr>
-      <p:sp>
-        <p:nvSpPr>
-          <p:cNvPr id="3" name="Subtitle 2"/>
-          <p:cNvSpPr>
-            <a:spLocks noGrp="1"/>
-          </p:cNvSpPr>
-          <p:nvPr>
-            <p:ph type="subTitle" idx="1"/>
-          </p:nvPr>
-        </p:nvSpPr>
+      <p:pic>
+        <p:nvPicPr>
+          <p:cNvPr id="4" name="Picture 3" descr="Screenshot 2014-06-14 19.39.49.png"/>
+          <p:cNvPicPr>
+            <a:picLocks noChangeAspect="1"/>
+          </p:cNvPicPr>
+          <p:nvPr/>
+        </p:nvPicPr>
+        <p:blipFill>
+          <a:blip r:embed="rId2">
+            <a:extLst>
+              <a:ext uri="{28A0092B-C50C-407E-A947-70E740481C1C}">
+                <a14:useLocalDpi xmlns:a14="http://schemas.microsoft.com/office/drawing/2010/main" val="0"/>
+              </a:ext>
+            </a:extLst>
+          </a:blip>
+          <a:stretch>
+            <a:fillRect/>
+          </a:stretch>
+        </p:blipFill>
         <p:spPr>
           <a:xfrm>
-            <a:off x="192112" y="149508"/>
-            <a:ext cx="8751772" cy="602332"/>
+            <a:off x="4887166" y="126723"/>
+            <a:ext cx="5283200" cy="660400"/>
           </a:xfrm>
+          <a:prstGeom prst="rect">
+            <a:avLst/>
+          </a:prstGeom>
         </p:spPr>
-        <p:txBody>
-          <a:bodyPr>
-            <a:normAutofit/>
-          </a:bodyPr>
-          <a:lstStyle/>
-          <a:p>
-            <a:r>
-              <a:rPr lang="en-US" dirty="0" smtClean="0">
-                <a:solidFill>
-                  <a:srgbClr val="E40202"/>
-                </a:solidFill>
-              </a:rPr>
-              <a:t>&gt;&gt;&gt;&gt;&gt;&gt;&gt;&gt;&gt;&gt;&gt;&gt;&gt;&gt;&gt;&gt;&gt;&gt;&gt;&gt;&gt;&lt;&lt;&lt;&lt;&lt;&lt;&lt;&lt;&lt;&lt;&lt;&lt;&lt;&lt;&lt;&lt;&lt;&lt;&lt;&lt;&lt;</a:t>
-            </a:r>
-            <a:endParaRPr lang="en-US" dirty="0">
-              <a:solidFill>
-                <a:srgbClr val="E40202"/>
-              </a:solidFill>
-            </a:endParaRPr>
-          </a:p>
-        </p:txBody>
-      </p:sp>
+      </p:pic>
+      <p:pic>
+        <p:nvPicPr>
+          <p:cNvPr id="5" name="Picture 4" descr="Screenshot 2014-06-14 19.39.49.png"/>
+          <p:cNvPicPr>
+            <a:picLocks noChangeAspect="1"/>
+          </p:cNvPicPr>
+          <p:nvPr/>
+        </p:nvPicPr>
+        <p:blipFill>
+          <a:blip r:embed="rId2">
+            <a:extLst>
+              <a:ext uri="{28A0092B-C50C-407E-A947-70E740481C1C}">
+                <a14:useLocalDpi xmlns:a14="http://schemas.microsoft.com/office/drawing/2010/main" val="0"/>
+              </a:ext>
+            </a:extLst>
+          </a:blip>
+          <a:stretch>
+            <a:fillRect/>
+          </a:stretch>
+        </p:blipFill>
+        <p:spPr>
+          <a:xfrm>
+            <a:off x="0" y="126723"/>
+            <a:ext cx="5283200" cy="660400"/>
+          </a:xfrm>
+          <a:prstGeom prst="rect">
+            <a:avLst/>
+          </a:prstGeom>
+        </p:spPr>
+      </p:pic>
     </p:spTree>
     <p:extLst>
       <p:ext uri="{BB962C8B-B14F-4D97-AF65-F5344CB8AC3E}">

--- a/unit1_projects/images/header.pptx
+++ b/unit1_projects/images/header.pptx
@@ -7,7 +7,7 @@
   <p:sldIdLst>
     <p:sldId id="256" r:id="rId2"/>
   </p:sldIdLst>
-  <p:sldSz cx="9144000" cy="914400"/>
+  <p:sldSz cx="13716000" cy="914400"/>
   <p:notesSz cx="6858000" cy="9144000"/>
   <p:defaultTextStyle>
     <a:defPPr>
@@ -136,8 +136,8 @@
         </p:nvSpPr>
         <p:spPr>
           <a:xfrm>
-            <a:off x="685800" y="284059"/>
-            <a:ext cx="7772400" cy="196003"/>
+            <a:off x="1028700" y="284062"/>
+            <a:ext cx="11658600" cy="196003"/>
           </a:xfrm>
         </p:spPr>
         <p:txBody>
@@ -164,8 +164,8 @@
         </p:nvSpPr>
         <p:spPr>
           <a:xfrm>
-            <a:off x="1371600" y="518160"/>
-            <a:ext cx="6400800" cy="233680"/>
+            <a:off x="2057400" y="518160"/>
+            <a:ext cx="9601200" cy="233680"/>
           </a:xfrm>
         </p:spPr>
         <p:txBody>
@@ -288,7 +288,7 @@
           <a:p>
             <a:fld id="{F19F3BC2-3695-8A49-8628-6B55CB2ABBC8}" type="datetimeFigureOut">
               <a:rPr lang="en-US" smtClean="0"/>
-              <a:t>6/14/14</a:t>
+              <a:t>7/31/14</a:t>
             </a:fld>
             <a:endParaRPr lang="en-US"/>
           </a:p>
@@ -458,7 +458,7 @@
           <a:p>
             <a:fld id="{F19F3BC2-3695-8A49-8628-6B55CB2ABBC8}" type="datetimeFigureOut">
               <a:rPr lang="en-US" smtClean="0"/>
-              <a:t>6/14/14</a:t>
+              <a:t>7/31/14</a:t>
             </a:fld>
             <a:endParaRPr lang="en-US"/>
           </a:p>
@@ -548,8 +548,8 @@
         </p:nvSpPr>
         <p:spPr>
           <a:xfrm>
-            <a:off x="6629400" y="4868"/>
-            <a:ext cx="2057400" cy="104140"/>
+            <a:off x="9944100" y="4868"/>
+            <a:ext cx="3086100" cy="104140"/>
           </a:xfrm>
         </p:spPr>
         <p:txBody>
@@ -576,8 +576,8 @@
         </p:nvSpPr>
         <p:spPr>
           <a:xfrm>
-            <a:off x="457200" y="4868"/>
-            <a:ext cx="6019800" cy="104140"/>
+            <a:off x="685800" y="4868"/>
+            <a:ext cx="9029700" cy="104140"/>
           </a:xfrm>
         </p:spPr>
         <p:txBody>
@@ -638,7 +638,7 @@
           <a:p>
             <a:fld id="{F19F3BC2-3695-8A49-8628-6B55CB2ABBC8}" type="datetimeFigureOut">
               <a:rPr lang="en-US" smtClean="0"/>
-              <a:t>6/14/14</a:t>
+              <a:t>7/31/14</a:t>
             </a:fld>
             <a:endParaRPr lang="en-US"/>
           </a:p>
@@ -808,7 +808,7 @@
           <a:p>
             <a:fld id="{F19F3BC2-3695-8A49-8628-6B55CB2ABBC8}" type="datetimeFigureOut">
               <a:rPr lang="en-US" smtClean="0"/>
-              <a:t>6/14/14</a:t>
+              <a:t>7/31/14</a:t>
             </a:fld>
             <a:endParaRPr lang="en-US"/>
           </a:p>
@@ -898,8 +898,8 @@
         </p:nvSpPr>
         <p:spPr>
           <a:xfrm>
-            <a:off x="722313" y="587587"/>
-            <a:ext cx="7772400" cy="181610"/>
+            <a:off x="1083470" y="587587"/>
+            <a:ext cx="11658600" cy="181610"/>
           </a:xfrm>
         </p:spPr>
         <p:txBody>
@@ -930,8 +930,8 @@
         </p:nvSpPr>
         <p:spPr>
           <a:xfrm>
-            <a:off x="722313" y="387564"/>
-            <a:ext cx="7772400" cy="200025"/>
+            <a:off x="1083470" y="387565"/>
+            <a:ext cx="11658600" cy="200025"/>
           </a:xfrm>
         </p:spPr>
         <p:txBody>
@@ -1054,7 +1054,7 @@
           <a:p>
             <a:fld id="{F19F3BC2-3695-8A49-8628-6B55CB2ABBC8}" type="datetimeFigureOut">
               <a:rPr lang="en-US" smtClean="0"/>
-              <a:t>6/14/14</a:t>
+              <a:t>7/31/14</a:t>
             </a:fld>
             <a:endParaRPr lang="en-US"/>
           </a:p>
@@ -1167,8 +1167,8 @@
         </p:nvSpPr>
         <p:spPr>
           <a:xfrm>
-            <a:off x="457200" y="28365"/>
-            <a:ext cx="4038600" cy="80645"/>
+            <a:off x="685800" y="28368"/>
+            <a:ext cx="6057900" cy="80645"/>
           </a:xfrm>
         </p:spPr>
         <p:txBody>
@@ -1252,8 +1252,8 @@
         </p:nvSpPr>
         <p:spPr>
           <a:xfrm>
-            <a:off x="4648200" y="28365"/>
-            <a:ext cx="4038600" cy="80645"/>
+            <a:off x="6972300" y="28368"/>
+            <a:ext cx="6057900" cy="80645"/>
           </a:xfrm>
         </p:spPr>
         <p:txBody>
@@ -1342,7 +1342,7 @@
           <a:p>
             <a:fld id="{F19F3BC2-3695-8A49-8628-6B55CB2ABBC8}" type="datetimeFigureOut">
               <a:rPr lang="en-US" smtClean="0"/>
-              <a:t>6/14/14</a:t>
+              <a:t>7/31/14</a:t>
             </a:fld>
             <a:endParaRPr lang="en-US"/>
           </a:p>
@@ -1432,8 +1432,8 @@
         </p:nvSpPr>
         <p:spPr>
           <a:xfrm>
-            <a:off x="457200" y="36618"/>
-            <a:ext cx="8229600" cy="152400"/>
+            <a:off x="685800" y="36618"/>
+            <a:ext cx="12344400" cy="152400"/>
           </a:xfrm>
         </p:spPr>
         <p:txBody>
@@ -1464,8 +1464,8 @@
         </p:nvSpPr>
         <p:spPr>
           <a:xfrm>
-            <a:off x="457201" y="204682"/>
-            <a:ext cx="4040188" cy="85302"/>
+            <a:off x="685802" y="204682"/>
+            <a:ext cx="6060282" cy="85302"/>
           </a:xfrm>
         </p:spPr>
         <p:txBody>
@@ -1529,8 +1529,8 @@
         </p:nvSpPr>
         <p:spPr>
           <a:xfrm>
-            <a:off x="457201" y="289984"/>
-            <a:ext cx="4040188" cy="526838"/>
+            <a:off x="685802" y="289984"/>
+            <a:ext cx="6060282" cy="526838"/>
           </a:xfrm>
         </p:spPr>
         <p:txBody>
@@ -1614,8 +1614,8 @@
         </p:nvSpPr>
         <p:spPr>
           <a:xfrm>
-            <a:off x="4645028" y="204682"/>
-            <a:ext cx="4041775" cy="85302"/>
+            <a:off x="6967544" y="204682"/>
+            <a:ext cx="6062663" cy="85302"/>
           </a:xfrm>
         </p:spPr>
         <p:txBody>
@@ -1679,8 +1679,8 @@
         </p:nvSpPr>
         <p:spPr>
           <a:xfrm>
-            <a:off x="4645028" y="289984"/>
-            <a:ext cx="4041775" cy="526838"/>
+            <a:off x="6967544" y="289984"/>
+            <a:ext cx="6062663" cy="526838"/>
           </a:xfrm>
         </p:spPr>
         <p:txBody>
@@ -1769,7 +1769,7 @@
           <a:p>
             <a:fld id="{F19F3BC2-3695-8A49-8628-6B55CB2ABBC8}" type="datetimeFigureOut">
               <a:rPr lang="en-US" smtClean="0"/>
-              <a:t>6/14/14</a:t>
+              <a:t>7/31/14</a:t>
             </a:fld>
             <a:endParaRPr lang="en-US"/>
           </a:p>
@@ -1887,7 +1887,7 @@
           <a:p>
             <a:fld id="{F19F3BC2-3695-8A49-8628-6B55CB2ABBC8}" type="datetimeFigureOut">
               <a:rPr lang="en-US" smtClean="0"/>
-              <a:t>6/14/14</a:t>
+              <a:t>7/31/14</a:t>
             </a:fld>
             <a:endParaRPr lang="en-US"/>
           </a:p>
@@ -1982,7 +1982,7 @@
           <a:p>
             <a:fld id="{F19F3BC2-3695-8A49-8628-6B55CB2ABBC8}" type="datetimeFigureOut">
               <a:rPr lang="en-US" smtClean="0"/>
-              <a:t>6/14/14</a:t>
+              <a:t>7/31/14</a:t>
             </a:fld>
             <a:endParaRPr lang="en-US"/>
           </a:p>
@@ -2072,8 +2072,8 @@
         </p:nvSpPr>
         <p:spPr>
           <a:xfrm>
-            <a:off x="457202" y="36407"/>
-            <a:ext cx="3008313" cy="154940"/>
+            <a:off x="685805" y="36407"/>
+            <a:ext cx="4512470" cy="154940"/>
           </a:xfrm>
         </p:spPr>
         <p:txBody>
@@ -2104,8 +2104,8 @@
         </p:nvSpPr>
         <p:spPr>
           <a:xfrm>
-            <a:off x="3575050" y="36409"/>
-            <a:ext cx="5111750" cy="780415"/>
+            <a:off x="5362575" y="36412"/>
+            <a:ext cx="7667625" cy="780415"/>
           </a:xfrm>
         </p:spPr>
         <p:txBody>
@@ -2189,8 +2189,8 @@
         </p:nvSpPr>
         <p:spPr>
           <a:xfrm>
-            <a:off x="457202" y="191348"/>
-            <a:ext cx="3008313" cy="625475"/>
+            <a:off x="685805" y="191348"/>
+            <a:ext cx="4512470" cy="625475"/>
           </a:xfrm>
         </p:spPr>
         <p:txBody>
@@ -2259,7 +2259,7 @@
           <a:p>
             <a:fld id="{F19F3BC2-3695-8A49-8628-6B55CB2ABBC8}" type="datetimeFigureOut">
               <a:rPr lang="en-US" smtClean="0"/>
-              <a:t>6/14/14</a:t>
+              <a:t>7/31/14</a:t>
             </a:fld>
             <a:endParaRPr lang="en-US"/>
           </a:p>
@@ -2349,8 +2349,8 @@
         </p:nvSpPr>
         <p:spPr>
           <a:xfrm>
-            <a:off x="1792288" y="640082"/>
-            <a:ext cx="5486400" cy="75565"/>
+            <a:off x="2688432" y="640085"/>
+            <a:ext cx="8229600" cy="75565"/>
           </a:xfrm>
         </p:spPr>
         <p:txBody>
@@ -2381,8 +2381,8 @@
         </p:nvSpPr>
         <p:spPr>
           <a:xfrm>
-            <a:off x="1792288" y="81703"/>
-            <a:ext cx="5486400" cy="548640"/>
+            <a:off x="2688432" y="81703"/>
+            <a:ext cx="8229600" cy="548640"/>
           </a:xfrm>
         </p:spPr>
         <p:txBody>
@@ -2442,8 +2442,8 @@
         </p:nvSpPr>
         <p:spPr>
           <a:xfrm>
-            <a:off x="1792288" y="715647"/>
-            <a:ext cx="5486400" cy="107315"/>
+            <a:off x="2688432" y="715650"/>
+            <a:ext cx="8229600" cy="107315"/>
           </a:xfrm>
         </p:spPr>
         <p:txBody>
@@ -2512,7 +2512,7 @@
           <a:p>
             <a:fld id="{F19F3BC2-3695-8A49-8628-6B55CB2ABBC8}" type="datetimeFigureOut">
               <a:rPr lang="en-US" smtClean="0"/>
-              <a:t>6/14/14</a:t>
+              <a:t>7/31/14</a:t>
             </a:fld>
             <a:endParaRPr lang="en-US"/>
           </a:p>
@@ -2607,8 +2607,8 @@
         </p:nvSpPr>
         <p:spPr>
           <a:xfrm>
-            <a:off x="457200" y="36618"/>
-            <a:ext cx="8229600" cy="152400"/>
+            <a:off x="685800" y="36618"/>
+            <a:ext cx="12344400" cy="152400"/>
           </a:xfrm>
           <a:prstGeom prst="rect">
             <a:avLst/>
@@ -2640,8 +2640,8 @@
         </p:nvSpPr>
         <p:spPr>
           <a:xfrm>
-            <a:off x="457200" y="213360"/>
-            <a:ext cx="8229600" cy="603462"/>
+            <a:off x="685800" y="213360"/>
+            <a:ext cx="12344400" cy="603462"/>
           </a:xfrm>
           <a:prstGeom prst="rect">
             <a:avLst/>
@@ -2702,8 +2702,8 @@
         </p:nvSpPr>
         <p:spPr>
           <a:xfrm>
-            <a:off x="457200" y="847516"/>
-            <a:ext cx="2133600" cy="48683"/>
+            <a:off x="685800" y="847519"/>
+            <a:ext cx="3200400" cy="48683"/>
           </a:xfrm>
           <a:prstGeom prst="rect">
             <a:avLst/>
@@ -2725,7 +2725,7 @@
           <a:p>
             <a:fld id="{F19F3BC2-3695-8A49-8628-6B55CB2ABBC8}" type="datetimeFigureOut">
               <a:rPr lang="en-US" smtClean="0"/>
-              <a:t>6/14/14</a:t>
+              <a:t>7/31/14</a:t>
             </a:fld>
             <a:endParaRPr lang="en-US"/>
           </a:p>
@@ -2743,8 +2743,8 @@
         </p:nvSpPr>
         <p:spPr>
           <a:xfrm>
-            <a:off x="3124200" y="847516"/>
-            <a:ext cx="2895600" cy="48683"/>
+            <a:off x="4686300" y="847519"/>
+            <a:ext cx="4343400" cy="48683"/>
           </a:xfrm>
           <a:prstGeom prst="rect">
             <a:avLst/>
@@ -2780,8 +2780,8 @@
         </p:nvSpPr>
         <p:spPr>
           <a:xfrm>
-            <a:off x="6553200" y="847516"/>
-            <a:ext cx="2133600" cy="48683"/>
+            <a:off x="9829800" y="847519"/>
+            <a:ext cx="3200400" cy="48683"/>
           </a:xfrm>
           <a:prstGeom prst="rect">
             <a:avLst/>
@@ -3102,36 +3102,6 @@
       </p:grpSpPr>
       <p:pic>
         <p:nvPicPr>
-          <p:cNvPr id="4" name="Picture 3" descr="Screenshot 2014-06-14 19.39.49.png"/>
-          <p:cNvPicPr>
-            <a:picLocks noChangeAspect="1"/>
-          </p:cNvPicPr>
-          <p:nvPr/>
-        </p:nvPicPr>
-        <p:blipFill>
-          <a:blip r:embed="rId2">
-            <a:extLst>
-              <a:ext uri="{28A0092B-C50C-407E-A947-70E740481C1C}">
-                <a14:useLocalDpi xmlns:a14="http://schemas.microsoft.com/office/drawing/2010/main" val="0"/>
-              </a:ext>
-            </a:extLst>
-          </a:blip>
-          <a:stretch>
-            <a:fillRect/>
-          </a:stretch>
-        </p:blipFill>
-        <p:spPr>
-          <a:xfrm>
-            <a:off x="4887166" y="126723"/>
-            <a:ext cx="5283200" cy="660400"/>
-          </a:xfrm>
-          <a:prstGeom prst="rect">
-            <a:avLst/>
-          </a:prstGeom>
-        </p:spPr>
-      </p:pic>
-      <p:pic>
-        <p:nvPicPr>
           <p:cNvPr id="5" name="Picture 4" descr="Screenshot 2014-06-14 19.39.49.png"/>
           <p:cNvPicPr>
             <a:picLocks noChangeAspect="1"/>
@@ -3152,8 +3122,38 @@
         </p:blipFill>
         <p:spPr>
           <a:xfrm>
-            <a:off x="0" y="126723"/>
-            <a:ext cx="5283200" cy="660400"/>
+            <a:off x="1" y="140978"/>
+            <a:ext cx="7134358" cy="594530"/>
+          </a:xfrm>
+          <a:prstGeom prst="rect">
+            <a:avLst/>
+          </a:prstGeom>
+        </p:spPr>
+      </p:pic>
+      <p:pic>
+        <p:nvPicPr>
+          <p:cNvPr id="6" name="Picture 5" descr="Screenshot 2014-06-14 19.39.49.png"/>
+          <p:cNvPicPr>
+            <a:picLocks noChangeAspect="1"/>
+          </p:cNvPicPr>
+          <p:nvPr/>
+        </p:nvPicPr>
+        <p:blipFill>
+          <a:blip r:embed="rId2">
+            <a:extLst>
+              <a:ext uri="{28A0092B-C50C-407E-A947-70E740481C1C}">
+                <a14:useLocalDpi xmlns:a14="http://schemas.microsoft.com/office/drawing/2010/main" val="0"/>
+              </a:ext>
+            </a:extLst>
+          </a:blip>
+          <a:stretch>
+            <a:fillRect/>
+          </a:stretch>
+        </p:blipFill>
+        <p:spPr>
+          <a:xfrm>
+            <a:off x="6581642" y="140978"/>
+            <a:ext cx="7134358" cy="594530"/>
           </a:xfrm>
           <a:prstGeom prst="rect">
             <a:avLst/>
